--- a/Presentation/Todoer-dev.pptx
+++ b/Presentation/Todoer-dev.pptx
@@ -4067,36 +4067,6 @@
       </p:grpSpPr>
       <p:sp>
         <p:nvSpPr>
-          <p:cNvPr id="5" name="Заголовок 4"/>
-          <p:cNvSpPr>
-            <a:spLocks noGrp="1"/>
-          </p:cNvSpPr>
-          <p:nvPr>
-            <p:ph type="title"/>
-          </p:nvPr>
-        </p:nvSpPr>
-        <p:spPr>
-          <a:xfrm>
-            <a:off x="374074" y="216131"/>
-            <a:ext cx="3283526" cy="1172094"/>
-          </a:xfrm>
-        </p:spPr>
-        <p:txBody>
-          <a:bodyPr>
-            <a:normAutofit/>
-          </a:bodyPr>
-          <a:lstStyle/>
-          <a:p>
-            <a:r>
-              <a:rPr lang="ru-RU" b="1" dirty="0" err="1" smtClean="0"/>
-              <a:t>Бэк</a:t>
-            </a:r>
-            <a:endParaRPr lang="ru-RU" b="1" dirty="0"/>
-          </a:p>
-        </p:txBody>
-      </p:sp>
-      <p:sp>
-        <p:nvSpPr>
           <p:cNvPr id="7" name="Текст 6"/>
           <p:cNvSpPr>
             <a:spLocks noGrp="1"/>
@@ -4229,36 +4199,6 @@
       </p:grpSpPr>
       <p:sp>
         <p:nvSpPr>
-          <p:cNvPr id="5" name="Заголовок 4"/>
-          <p:cNvSpPr>
-            <a:spLocks noGrp="1"/>
-          </p:cNvSpPr>
-          <p:nvPr>
-            <p:ph type="title"/>
-          </p:nvPr>
-        </p:nvSpPr>
-        <p:spPr>
-          <a:xfrm>
-            <a:off x="374074" y="216131"/>
-            <a:ext cx="3283526" cy="1172094"/>
-          </a:xfrm>
-        </p:spPr>
-        <p:txBody>
-          <a:bodyPr>
-            <a:normAutofit/>
-          </a:bodyPr>
-          <a:lstStyle/>
-          <a:p>
-            <a:r>
-              <a:rPr lang="ru-RU" b="1" dirty="0" err="1" smtClean="0"/>
-              <a:t>Бэк</a:t>
-            </a:r>
-            <a:endParaRPr lang="ru-RU" b="1" dirty="0"/>
-          </a:p>
-        </p:txBody>
-      </p:sp>
-      <p:sp>
-        <p:nvSpPr>
           <p:cNvPr id="7" name="Текст 6"/>
           <p:cNvSpPr>
             <a:spLocks noGrp="1"/>
@@ -4365,36 +4305,6 @@
       </p:grpSpPr>
       <p:sp>
         <p:nvSpPr>
-          <p:cNvPr id="5" name="Заголовок 4"/>
-          <p:cNvSpPr>
-            <a:spLocks noGrp="1"/>
-          </p:cNvSpPr>
-          <p:nvPr>
-            <p:ph type="title"/>
-          </p:nvPr>
-        </p:nvSpPr>
-        <p:spPr>
-          <a:xfrm>
-            <a:off x="374074" y="216131"/>
-            <a:ext cx="3283526" cy="1172094"/>
-          </a:xfrm>
-        </p:spPr>
-        <p:txBody>
-          <a:bodyPr>
-            <a:normAutofit/>
-          </a:bodyPr>
-          <a:lstStyle/>
-          <a:p>
-            <a:r>
-              <a:rPr lang="ru-RU" b="1" dirty="0" err="1" smtClean="0"/>
-              <a:t>Бэк</a:t>
-            </a:r>
-            <a:endParaRPr lang="ru-RU" b="1" dirty="0"/>
-          </a:p>
-        </p:txBody>
-      </p:sp>
-      <p:sp>
-        <p:nvSpPr>
           <p:cNvPr id="7" name="Текст 6"/>
           <p:cNvSpPr>
             <a:spLocks noGrp="1"/>
@@ -4608,36 +4518,6 @@
       </p:grpSpPr>
       <p:sp>
         <p:nvSpPr>
-          <p:cNvPr id="5" name="Заголовок 4"/>
-          <p:cNvSpPr>
-            <a:spLocks noGrp="1"/>
-          </p:cNvSpPr>
-          <p:nvPr>
-            <p:ph type="title"/>
-          </p:nvPr>
-        </p:nvSpPr>
-        <p:spPr>
-          <a:xfrm>
-            <a:off x="374074" y="216131"/>
-            <a:ext cx="3283526" cy="1172094"/>
-          </a:xfrm>
-        </p:spPr>
-        <p:txBody>
-          <a:bodyPr>
-            <a:normAutofit/>
-          </a:bodyPr>
-          <a:lstStyle/>
-          <a:p>
-            <a:r>
-              <a:rPr lang="ru-RU" b="1" dirty="0" err="1" smtClean="0"/>
-              <a:t>Бэк</a:t>
-            </a:r>
-            <a:endParaRPr lang="ru-RU" b="1" dirty="0"/>
-          </a:p>
-        </p:txBody>
-      </p:sp>
-      <p:sp>
-        <p:nvSpPr>
           <p:cNvPr id="7" name="Текст 6"/>
           <p:cNvSpPr>
             <a:spLocks noGrp="1"/>
@@ -4806,36 +4686,6 @@
       </p:grpSpPr>
       <p:sp>
         <p:nvSpPr>
-          <p:cNvPr id="5" name="Заголовок 4"/>
-          <p:cNvSpPr>
-            <a:spLocks noGrp="1"/>
-          </p:cNvSpPr>
-          <p:nvPr>
-            <p:ph type="title"/>
-          </p:nvPr>
-        </p:nvSpPr>
-        <p:spPr>
-          <a:xfrm>
-            <a:off x="374074" y="216131"/>
-            <a:ext cx="3283526" cy="1172094"/>
-          </a:xfrm>
-        </p:spPr>
-        <p:txBody>
-          <a:bodyPr>
-            <a:normAutofit/>
-          </a:bodyPr>
-          <a:lstStyle/>
-          <a:p>
-            <a:r>
-              <a:rPr lang="ru-RU" b="1" dirty="0" err="1" smtClean="0"/>
-              <a:t>Бэк</a:t>
-            </a:r>
-            <a:endParaRPr lang="ru-RU" b="1" dirty="0"/>
-          </a:p>
-        </p:txBody>
-      </p:sp>
-      <p:sp>
-        <p:nvSpPr>
           <p:cNvPr id="7" name="Текст 6"/>
           <p:cNvSpPr>
             <a:spLocks noGrp="1"/>
@@ -4994,36 +4844,6 @@
       </p:grpSpPr>
       <p:sp>
         <p:nvSpPr>
-          <p:cNvPr id="5" name="Заголовок 4"/>
-          <p:cNvSpPr>
-            <a:spLocks noGrp="1"/>
-          </p:cNvSpPr>
-          <p:nvPr>
-            <p:ph type="title"/>
-          </p:nvPr>
-        </p:nvSpPr>
-        <p:spPr>
-          <a:xfrm>
-            <a:off x="374074" y="216131"/>
-            <a:ext cx="3283526" cy="1172094"/>
-          </a:xfrm>
-        </p:spPr>
-        <p:txBody>
-          <a:bodyPr>
-            <a:normAutofit/>
-          </a:bodyPr>
-          <a:lstStyle/>
-          <a:p>
-            <a:r>
-              <a:rPr lang="ru-RU" b="1" dirty="0" err="1" smtClean="0"/>
-              <a:t>Бэк</a:t>
-            </a:r>
-            <a:endParaRPr lang="ru-RU" b="1" dirty="0"/>
-          </a:p>
-        </p:txBody>
-      </p:sp>
-      <p:sp>
-        <p:nvSpPr>
           <p:cNvPr id="7" name="Текст 6"/>
           <p:cNvSpPr>
             <a:spLocks noGrp="1"/>
@@ -5134,8 +4954,8 @@
               <a:t>Add new </a:t>
             </a:r>
             <a:r>
-              <a:rPr lang="en-US" sz="1800" i="1" dirty="0" err="1" smtClean="0"/>
-              <a:t>lable</a:t>
+              <a:rPr lang="en-US" sz="1800" i="1" dirty="0" smtClean="0"/>
+              <a:t>label</a:t>
             </a:r>
             <a:r>
               <a:rPr lang="en-US" dirty="0" smtClean="0"/>
@@ -5143,7 +4963,11 @@
             </a:r>
             <a:r>
               <a:rPr lang="ru-RU" dirty="0" smtClean="0"/>
-              <a:t> и нажать на </a:t>
+              <a:t> </a:t>
+            </a:r>
+            <a:r>
+              <a:rPr lang="ru-RU" dirty="0" smtClean="0"/>
+              <a:t>и нажать на </a:t>
             </a:r>
             <a:r>
               <a:rPr lang="en-US" dirty="0" smtClean="0"/>
@@ -5346,36 +5170,6 @@
       </p:grpSpPr>
       <p:sp>
         <p:nvSpPr>
-          <p:cNvPr id="5" name="Заголовок 4"/>
-          <p:cNvSpPr>
-            <a:spLocks noGrp="1"/>
-          </p:cNvSpPr>
-          <p:nvPr>
-            <p:ph type="title"/>
-          </p:nvPr>
-        </p:nvSpPr>
-        <p:spPr>
-          <a:xfrm>
-            <a:off x="374074" y="216131"/>
-            <a:ext cx="3283526" cy="1172094"/>
-          </a:xfrm>
-        </p:spPr>
-        <p:txBody>
-          <a:bodyPr>
-            <a:normAutofit/>
-          </a:bodyPr>
-          <a:lstStyle/>
-          <a:p>
-            <a:r>
-              <a:rPr lang="ru-RU" b="1" dirty="0" err="1" smtClean="0"/>
-              <a:t>Бэк</a:t>
-            </a:r>
-            <a:endParaRPr lang="ru-RU" b="1" dirty="0"/>
-          </a:p>
-        </p:txBody>
-      </p:sp>
-      <p:sp>
-        <p:nvSpPr>
           <p:cNvPr id="7" name="Текст 6"/>
           <p:cNvSpPr>
             <a:spLocks noGrp="1"/>
@@ -5466,16 +5260,16 @@
               <a:t>“Add new </a:t>
             </a:r>
             <a:r>
-              <a:rPr lang="en-US" dirty="0" err="1" smtClean="0"/>
-              <a:t>lable</a:t>
-            </a:r>
-            <a:r>
               <a:rPr lang="en-US" dirty="0" smtClean="0"/>
-              <a:t>”</a:t>
+              <a:t>label”</a:t>
             </a:r>
             <a:r>
               <a:rPr lang="ru-RU" dirty="0" smtClean="0"/>
-              <a:t> и нажать на </a:t>
+              <a:t> </a:t>
+            </a:r>
+            <a:r>
+              <a:rPr lang="ru-RU" dirty="0" smtClean="0"/>
+              <a:t>и нажать на </a:t>
             </a:r>
             <a:r>
               <a:rPr lang="en-US" dirty="0" smtClean="0"/>
@@ -5753,36 +5547,6 @@
       </p:grpSpPr>
       <p:sp>
         <p:nvSpPr>
-          <p:cNvPr id="5" name="Заголовок 4"/>
-          <p:cNvSpPr>
-            <a:spLocks noGrp="1"/>
-          </p:cNvSpPr>
-          <p:nvPr>
-            <p:ph type="title"/>
-          </p:nvPr>
-        </p:nvSpPr>
-        <p:spPr>
-          <a:xfrm>
-            <a:off x="374074" y="216131"/>
-            <a:ext cx="3283526" cy="1172094"/>
-          </a:xfrm>
-        </p:spPr>
-        <p:txBody>
-          <a:bodyPr>
-            <a:normAutofit/>
-          </a:bodyPr>
-          <a:lstStyle/>
-          <a:p>
-            <a:r>
-              <a:rPr lang="ru-RU" b="1" dirty="0" err="1" smtClean="0"/>
-              <a:t>Бэк</a:t>
-            </a:r>
-            <a:endParaRPr lang="ru-RU" b="1" dirty="0"/>
-          </a:p>
-        </p:txBody>
-      </p:sp>
-      <p:sp>
-        <p:nvSpPr>
           <p:cNvPr id="7" name="Текст 6"/>
           <p:cNvSpPr>
             <a:spLocks noGrp="1"/>
@@ -6028,7 +5792,7 @@
             <a:pPr algn="r"/>
             <a:r>
               <a:rPr lang="en-US" dirty="0" smtClean="0"/>
-              <a:t>Frontend</a:t>
+              <a:t>Start page</a:t>
             </a:r>
             <a:endParaRPr lang="ru-RU" dirty="0"/>
           </a:p>
@@ -6361,7 +6125,7 @@
       </p:grpSpPr>
       <p:sp>
         <p:nvSpPr>
-          <p:cNvPr id="2" name="Заголовок 1"/>
+          <p:cNvPr id="7" name="Заголовок 6"/>
           <p:cNvSpPr>
             <a:spLocks noGrp="1"/>
           </p:cNvSpPr>
@@ -6371,21 +6135,21 @@
         </p:nvSpPr>
         <p:spPr>
           <a:xfrm>
-            <a:off x="457200" y="594359"/>
-            <a:ext cx="3200400" cy="511234"/>
+            <a:off x="399012" y="199505"/>
+            <a:ext cx="2626822" cy="847899"/>
           </a:xfrm>
         </p:spPr>
         <p:txBody>
           <a:bodyPr>
-            <a:noAutofit/>
+            <a:normAutofit/>
           </a:bodyPr>
           <a:lstStyle/>
           <a:p>
             <a:r>
-              <a:rPr lang="ru-RU" b="1" dirty="0" smtClean="0"/>
-              <a:t>Фронт</a:t>
-            </a:r>
-            <a:endParaRPr lang="ru-RU" b="1" dirty="0"/>
+              <a:rPr lang="en-US" dirty="0" smtClean="0"/>
+              <a:t>Start page</a:t>
+            </a:r>
+            <a:endParaRPr lang="ru-RU" dirty="0"/>
           </a:p>
         </p:txBody>
       </p:sp>
@@ -6407,12 +6171,9 @@
         </p:blipFill>
         <p:spPr>
           <a:xfrm>
-            <a:off x="4117982" y="1305099"/>
-            <a:ext cx="8040500" cy="4206702"/>
-          </a:xfrm>
-          <a:prstGeom prst="rect">
-            <a:avLst/>
-          </a:prstGeom>
+            <a:off x="4800600" y="1662237"/>
+            <a:ext cx="6492875" cy="3397001"/>
+          </a:xfrm>
         </p:spPr>
       </p:pic>
       <p:sp>
@@ -6427,12 +6188,14 @@
         </p:nvSpPr>
         <p:spPr>
           <a:xfrm>
-            <a:off x="457200" y="1188720"/>
-            <a:ext cx="3200400" cy="5116484"/>
-          </a:xfrm>
-        </p:spPr>
-        <p:txBody>
-          <a:bodyPr/>
+            <a:off x="399012" y="1047405"/>
+            <a:ext cx="3258588" cy="5257800"/>
+          </a:xfrm>
+        </p:spPr>
+        <p:txBody>
+          <a:bodyPr>
+            <a:normAutofit/>
+          </a:bodyPr>
           <a:lstStyle/>
           <a:p>
             <a:r>
@@ -6443,26 +6206,22 @@
           <a:p>
             <a:r>
               <a:rPr lang="ru-RU" dirty="0" smtClean="0"/>
-              <a:t>Как повторял на </a:t>
-            </a:r>
-            <a:r>
-              <a:rPr lang="ru-RU" dirty="0"/>
-              <a:t>протяжении своей карьеры архитектор Людвиг </a:t>
-            </a:r>
-            <a:r>
-              <a:rPr lang="ru-RU" dirty="0" err="1"/>
+              <a:t>Как повторял на протяжении своей карьеры архитектор Людвиг </a:t>
+            </a:r>
+            <a:r>
+              <a:rPr lang="ru-RU" dirty="0" err="1" smtClean="0"/>
               <a:t>Мис</a:t>
             </a:r>
             <a:r>
-              <a:rPr lang="ru-RU" dirty="0"/>
+              <a:rPr lang="ru-RU" dirty="0" smtClean="0"/>
               <a:t> </a:t>
             </a:r>
             <a:r>
-              <a:rPr lang="ru-RU" dirty="0" err="1"/>
+              <a:rPr lang="ru-RU" dirty="0" err="1" smtClean="0"/>
               <a:t>ван</a:t>
             </a:r>
             <a:r>
-              <a:rPr lang="ru-RU" dirty="0"/>
+              <a:rPr lang="ru-RU" dirty="0" smtClean="0"/>
               <a:t> дер </a:t>
             </a:r>
             <a:r>
@@ -6474,7 +6233,7 @@
               <a:t>: “</a:t>
             </a:r>
             <a:r>
-              <a:rPr lang="ru-RU" i="1" dirty="0" smtClean="0"/>
+              <a:rPr lang="ru-RU" dirty="0" smtClean="0"/>
               <a:t>Меньше-больше</a:t>
             </a:r>
             <a:r>
@@ -6483,13 +6242,8 @@
             </a:r>
             <a:r>
               <a:rPr lang="ru-RU" dirty="0" smtClean="0"/>
-              <a:t>. </a:t>
-            </a:r>
-            <a:r>
-              <a:rPr lang="ru-RU" dirty="0"/>
-              <a:t>Минимализм – это один из подходов к творческим начинаниям, который уходит своими корнями в архитектуру и искусство 20-го века.</a:t>
-            </a:r>
-            <a:endParaRPr lang="ru-RU" dirty="0" smtClean="0"/>
+              <a:t>. Минимализм – это один из подходов к творческим начинаниям, который уходит своими корнями в архитектуру и искусство 20-го века.</a:t>
+            </a:r>
           </a:p>
           <a:p>
             <a:r>
@@ -6560,7 +6314,7 @@
             <a:pPr algn="r"/>
             <a:r>
               <a:rPr lang="en-US" dirty="0" smtClean="0"/>
-              <a:t>Backend</a:t>
+              <a:t>Explanations</a:t>
             </a:r>
             <a:endParaRPr lang="ru-RU" dirty="0"/>
           </a:p>
@@ -6635,36 +6389,6 @@
       </p:grpSpPr>
       <p:sp>
         <p:nvSpPr>
-          <p:cNvPr id="5" name="Заголовок 4"/>
-          <p:cNvSpPr>
-            <a:spLocks noGrp="1"/>
-          </p:cNvSpPr>
-          <p:nvPr>
-            <p:ph type="title"/>
-          </p:nvPr>
-        </p:nvSpPr>
-        <p:spPr>
-          <a:xfrm>
-            <a:off x="374074" y="216131"/>
-            <a:ext cx="3283526" cy="1172094"/>
-          </a:xfrm>
-        </p:spPr>
-        <p:txBody>
-          <a:bodyPr>
-            <a:normAutofit/>
-          </a:bodyPr>
-          <a:lstStyle/>
-          <a:p>
-            <a:r>
-              <a:rPr lang="ru-RU" b="1" dirty="0" err="1" smtClean="0"/>
-              <a:t>Бэк</a:t>
-            </a:r>
-            <a:endParaRPr lang="ru-RU" b="1" dirty="0"/>
-          </a:p>
-        </p:txBody>
-      </p:sp>
-      <p:sp>
-        <p:nvSpPr>
           <p:cNvPr id="7" name="Текст 6"/>
           <p:cNvSpPr>
             <a:spLocks noGrp="1"/>
@@ -6792,36 +6516,6 @@
           <a:chExt cx="0" cy="0"/>
         </a:xfrm>
       </p:grpSpPr>
-      <p:sp>
-        <p:nvSpPr>
-          <p:cNvPr id="5" name="Заголовок 4"/>
-          <p:cNvSpPr>
-            <a:spLocks noGrp="1"/>
-          </p:cNvSpPr>
-          <p:nvPr>
-            <p:ph type="title"/>
-          </p:nvPr>
-        </p:nvSpPr>
-        <p:spPr>
-          <a:xfrm>
-            <a:off x="374074" y="216131"/>
-            <a:ext cx="3283526" cy="1172094"/>
-          </a:xfrm>
-        </p:spPr>
-        <p:txBody>
-          <a:bodyPr>
-            <a:normAutofit/>
-          </a:bodyPr>
-          <a:lstStyle/>
-          <a:p>
-            <a:r>
-              <a:rPr lang="ru-RU" b="1" dirty="0" err="1" smtClean="0"/>
-              <a:t>Бэк</a:t>
-            </a:r>
-            <a:endParaRPr lang="ru-RU" b="1" dirty="0"/>
-          </a:p>
-        </p:txBody>
-      </p:sp>
       <p:sp>
         <p:nvSpPr>
           <p:cNvPr id="7" name="Текст 6"/>

--- a/Presentation/Todoer-dev.pptx
+++ b/Presentation/Todoer-dev.pptx
@@ -4951,11 +4951,7 @@
             </a:r>
             <a:r>
               <a:rPr lang="en-US" sz="1800" i="1" dirty="0" smtClean="0"/>
-              <a:t>Add new </a:t>
-            </a:r>
-            <a:r>
-              <a:rPr lang="en-US" sz="1800" i="1" dirty="0" smtClean="0"/>
-              <a:t>label</a:t>
+              <a:t>Add new label</a:t>
             </a:r>
             <a:r>
               <a:rPr lang="en-US" dirty="0" smtClean="0"/>
@@ -4963,11 +4959,7 @@
             </a:r>
             <a:r>
               <a:rPr lang="ru-RU" dirty="0" smtClean="0"/>
-              <a:t> </a:t>
-            </a:r>
-            <a:r>
-              <a:rPr lang="ru-RU" dirty="0" smtClean="0"/>
-              <a:t>и нажать на </a:t>
+              <a:t> и нажать на </a:t>
             </a:r>
             <a:r>
               <a:rPr lang="en-US" dirty="0" smtClean="0"/>
@@ -5257,19 +5249,11 @@
             </a:r>
             <a:r>
               <a:rPr lang="en-US" dirty="0" smtClean="0"/>
-              <a:t>“Add new </a:t>
-            </a:r>
-            <a:r>
-              <a:rPr lang="en-US" dirty="0" smtClean="0"/>
-              <a:t>label”</a:t>
+              <a:t>“Add new label”</a:t>
             </a:r>
             <a:r>
               <a:rPr lang="ru-RU" dirty="0" smtClean="0"/>
-              <a:t> </a:t>
-            </a:r>
-            <a:r>
-              <a:rPr lang="ru-RU" dirty="0" smtClean="0"/>
-              <a:t>и нажать на </a:t>
+              <a:t> и нажать на </a:t>
             </a:r>
             <a:r>
               <a:rPr lang="en-US" dirty="0" smtClean="0"/>
@@ -5791,8 +5775,12 @@
           <a:p>
             <a:pPr algn="r"/>
             <a:r>
-              <a:rPr lang="en-US" dirty="0" smtClean="0"/>
-              <a:t>Start page</a:t>
+              <a:rPr lang="en-US" smtClean="0"/>
+              <a:t>Start </a:t>
+            </a:r>
+            <a:r>
+              <a:rPr lang="en-US" smtClean="0"/>
+              <a:t>page </a:t>
             </a:r>
             <a:endParaRPr lang="ru-RU" dirty="0"/>
           </a:p>
